--- a/templates/20220120 SWOT_templates_ws.pptx
+++ b/templates/20220120 SWOT_templates_ws.pptx
@@ -18,6 +18,7 @@
     <p:sldId id="1972" r:id="rId12"/>
     <p:sldId id="1973" r:id="rId13"/>
     <p:sldId id="1974" r:id="rId14"/>
+    <p:sldId id="1975" r:id="rId15"/>
   </p:sldIdLst>
   <p:sldSz cx="12192000" cy="6858000"/>
   <p:notesSz cx="6858000" cy="9144000"/>
@@ -271,7 +272,7 @@
           <a:p>
             <a:fld id="{6A8FAD67-EA96-45FC-A058-223DFFC64DE1}" type="datetimeFigureOut">
               <a:rPr lang="en-US" smtClean="0"/>
-              <a:t>1/21/2022</a:t>
+              <a:t>1/28/2022</a:t>
             </a:fld>
             <a:endParaRPr lang="en-US"/>
           </a:p>
@@ -469,7 +470,7 @@
           <a:p>
             <a:fld id="{6A8FAD67-EA96-45FC-A058-223DFFC64DE1}" type="datetimeFigureOut">
               <a:rPr lang="en-US" smtClean="0"/>
-              <a:t>1/21/2022</a:t>
+              <a:t>1/28/2022</a:t>
             </a:fld>
             <a:endParaRPr lang="en-US"/>
           </a:p>
@@ -677,7 +678,7 @@
           <a:p>
             <a:fld id="{6A8FAD67-EA96-45FC-A058-223DFFC64DE1}" type="datetimeFigureOut">
               <a:rPr lang="en-US" smtClean="0"/>
-              <a:t>1/21/2022</a:t>
+              <a:t>1/28/2022</a:t>
             </a:fld>
             <a:endParaRPr lang="en-US"/>
           </a:p>
@@ -875,7 +876,7 @@
           <a:p>
             <a:fld id="{6A8FAD67-EA96-45FC-A058-223DFFC64DE1}" type="datetimeFigureOut">
               <a:rPr lang="en-US" smtClean="0"/>
-              <a:t>1/21/2022</a:t>
+              <a:t>1/28/2022</a:t>
             </a:fld>
             <a:endParaRPr lang="en-US"/>
           </a:p>
@@ -1150,7 +1151,7 @@
           <a:p>
             <a:fld id="{6A8FAD67-EA96-45FC-A058-223DFFC64DE1}" type="datetimeFigureOut">
               <a:rPr lang="en-US" smtClean="0"/>
-              <a:t>1/21/2022</a:t>
+              <a:t>1/28/2022</a:t>
             </a:fld>
             <a:endParaRPr lang="en-US"/>
           </a:p>
@@ -1415,7 +1416,7 @@
           <a:p>
             <a:fld id="{6A8FAD67-EA96-45FC-A058-223DFFC64DE1}" type="datetimeFigureOut">
               <a:rPr lang="en-US" smtClean="0"/>
-              <a:t>1/21/2022</a:t>
+              <a:t>1/28/2022</a:t>
             </a:fld>
             <a:endParaRPr lang="en-US"/>
           </a:p>
@@ -1827,7 +1828,7 @@
           <a:p>
             <a:fld id="{6A8FAD67-EA96-45FC-A058-223DFFC64DE1}" type="datetimeFigureOut">
               <a:rPr lang="en-US" smtClean="0"/>
-              <a:t>1/21/2022</a:t>
+              <a:t>1/28/2022</a:t>
             </a:fld>
             <a:endParaRPr lang="en-US"/>
           </a:p>
@@ -1968,7 +1969,7 @@
           <a:p>
             <a:fld id="{6A8FAD67-EA96-45FC-A058-223DFFC64DE1}" type="datetimeFigureOut">
               <a:rPr lang="en-US" smtClean="0"/>
-              <a:t>1/21/2022</a:t>
+              <a:t>1/28/2022</a:t>
             </a:fld>
             <a:endParaRPr lang="en-US"/>
           </a:p>
@@ -2081,7 +2082,7 @@
           <a:p>
             <a:fld id="{6A8FAD67-EA96-45FC-A058-223DFFC64DE1}" type="datetimeFigureOut">
               <a:rPr lang="en-US" smtClean="0"/>
-              <a:t>1/21/2022</a:t>
+              <a:t>1/28/2022</a:t>
             </a:fld>
             <a:endParaRPr lang="en-US"/>
           </a:p>
@@ -2392,7 +2393,7 @@
           <a:p>
             <a:fld id="{6A8FAD67-EA96-45FC-A058-223DFFC64DE1}" type="datetimeFigureOut">
               <a:rPr lang="en-US" smtClean="0"/>
-              <a:t>1/21/2022</a:t>
+              <a:t>1/28/2022</a:t>
             </a:fld>
             <a:endParaRPr lang="en-US"/>
           </a:p>
@@ -2680,7 +2681,7 @@
           <a:p>
             <a:fld id="{6A8FAD67-EA96-45FC-A058-223DFFC64DE1}" type="datetimeFigureOut">
               <a:rPr lang="en-US" smtClean="0"/>
-              <a:t>1/21/2022</a:t>
+              <a:t>1/28/2022</a:t>
             </a:fld>
             <a:endParaRPr lang="en-US"/>
           </a:p>
@@ -2921,7 +2922,7 @@
           <a:p>
             <a:fld id="{6A8FAD67-EA96-45FC-A058-223DFFC64DE1}" type="datetimeFigureOut">
               <a:rPr lang="en-US" smtClean="0"/>
-              <a:t>1/21/2022</a:t>
+              <a:t>1/28/2022</a:t>
             </a:fld>
             <a:endParaRPr lang="en-US"/>
           </a:p>
@@ -3815,6 +3816,1768 @@
     <p:extLst>
       <p:ext uri="{BB962C8B-B14F-4D97-AF65-F5344CB8AC3E}">
         <p14:creationId xmlns:p14="http://schemas.microsoft.com/office/powerpoint/2010/main" val="1857984583"/>
+      </p:ext>
+    </p:extLst>
+  </p:cSld>
+  <p:clrMapOvr>
+    <a:masterClrMapping/>
+  </p:clrMapOvr>
+</p:sld>
+</file>
+
+<file path=ppt/slides/slide14.xml><?xml version="1.0" encoding="utf-8"?>
+<p:sld xmlns:a="http://schemas.openxmlformats.org/drawingml/2006/main" xmlns:r="http://schemas.openxmlformats.org/officeDocument/2006/relationships" xmlns:p="http://schemas.openxmlformats.org/presentationml/2006/main">
+  <p:cSld>
+    <p:spTree>
+      <p:nvGrpSpPr>
+        <p:cNvPr id="1" name=""/>
+        <p:cNvGrpSpPr/>
+        <p:nvPr/>
+      </p:nvGrpSpPr>
+      <p:grpSpPr>
+        <a:xfrm>
+          <a:off x="0" y="0"/>
+          <a:ext cx="0" cy="0"/>
+          <a:chOff x="0" y="0"/>
+          <a:chExt cx="0" cy="0"/>
+        </a:xfrm>
+      </p:grpSpPr>
+      <p:grpSp>
+        <p:nvGrpSpPr>
+          <p:cNvPr id="1032" name="Group 1031">
+            <a:extLst>
+              <a:ext uri="{FF2B5EF4-FFF2-40B4-BE49-F238E27FC236}">
+                <a16:creationId xmlns:a16="http://schemas.microsoft.com/office/drawing/2014/main" id="{A502044D-7FDF-43B2-B1CD-8C3152399027}"/>
+              </a:ext>
+            </a:extLst>
+          </p:cNvPr>
+          <p:cNvGrpSpPr/>
+          <p:nvPr/>
+        </p:nvGrpSpPr>
+        <p:grpSpPr>
+          <a:xfrm>
+            <a:off x="6252132" y="83129"/>
+            <a:ext cx="5826489" cy="5733471"/>
+            <a:chOff x="6003636" y="138545"/>
+            <a:chExt cx="5938001" cy="5843203"/>
+          </a:xfrm>
+        </p:grpSpPr>
+        <p:grpSp>
+          <p:nvGrpSpPr>
+            <p:cNvPr id="1031" name="Group 1030">
+              <a:extLst>
+                <a:ext uri="{FF2B5EF4-FFF2-40B4-BE49-F238E27FC236}">
+                  <a16:creationId xmlns:a16="http://schemas.microsoft.com/office/drawing/2014/main" id="{0CDAE9AE-37C6-43B9-AC54-CE962D5DE8C7}"/>
+                </a:ext>
+              </a:extLst>
+            </p:cNvPr>
+            <p:cNvGrpSpPr/>
+            <p:nvPr/>
+          </p:nvGrpSpPr>
+          <p:grpSpPr>
+            <a:xfrm>
+              <a:off x="6003636" y="138545"/>
+              <a:ext cx="5938001" cy="5843203"/>
+              <a:chOff x="7895039" y="295563"/>
+              <a:chExt cx="4018889" cy="3954729"/>
+            </a:xfrm>
+          </p:grpSpPr>
+          <p:grpSp>
+            <p:nvGrpSpPr>
+              <p:cNvPr id="1029" name="Group 1028">
+                <a:extLst>
+                  <a:ext uri="{FF2B5EF4-FFF2-40B4-BE49-F238E27FC236}">
+                    <a16:creationId xmlns:a16="http://schemas.microsoft.com/office/drawing/2014/main" id="{60A73688-1E92-429E-8CFC-AEBF102ED0D4}"/>
+                  </a:ext>
+                </a:extLst>
+              </p:cNvPr>
+              <p:cNvGrpSpPr/>
+              <p:nvPr/>
+            </p:nvGrpSpPr>
+            <p:grpSpPr>
+              <a:xfrm>
+                <a:off x="8073735" y="456622"/>
+                <a:ext cx="3665682" cy="3665682"/>
+                <a:chOff x="8073735" y="456622"/>
+                <a:chExt cx="3665682" cy="3665682"/>
+              </a:xfrm>
+            </p:grpSpPr>
+            <p:sp>
+              <p:nvSpPr>
+                <p:cNvPr id="44" name="Freeform: Shape 43">
+                  <a:extLst>
+                    <a:ext uri="{FF2B5EF4-FFF2-40B4-BE49-F238E27FC236}">
+                      <a16:creationId xmlns:a16="http://schemas.microsoft.com/office/drawing/2014/main" id="{0C9365B4-F915-4769-9A66-2928F83B085B}"/>
+                    </a:ext>
+                  </a:extLst>
+                </p:cNvPr>
+                <p:cNvSpPr/>
+                <p:nvPr/>
+              </p:nvSpPr>
+              <p:spPr>
+                <a:xfrm>
+                  <a:off x="8073735" y="456622"/>
+                  <a:ext cx="1787121" cy="1787122"/>
+                </a:xfrm>
+                <a:custGeom>
+                  <a:avLst/>
+                  <a:gdLst>
+                    <a:gd name="connsiteX0" fmla="*/ 1787121 w 1787121"/>
+                    <a:gd name="connsiteY0" fmla="*/ 0 h 1787122"/>
+                    <a:gd name="connsiteX1" fmla="*/ 1787121 w 1787121"/>
+                    <a:gd name="connsiteY1" fmla="*/ 1787122 h 1787122"/>
+                    <a:gd name="connsiteX2" fmla="*/ 0 w 1787121"/>
+                    <a:gd name="connsiteY2" fmla="*/ 1787122 h 1787122"/>
+                    <a:gd name="connsiteX3" fmla="*/ 7166 w 1787121"/>
+                    <a:gd name="connsiteY3" fmla="*/ 1645208 h 1787122"/>
+                    <a:gd name="connsiteX4" fmla="*/ 1645208 w 1787121"/>
+                    <a:gd name="connsiteY4" fmla="*/ 7166 h 1787122"/>
+                    <a:gd name="connsiteX5" fmla="*/ 1787121 w 1787121"/>
+                    <a:gd name="connsiteY5" fmla="*/ 0 h 1787122"/>
+                  </a:gdLst>
+                  <a:ahLst/>
+                  <a:cxnLst>
+                    <a:cxn ang="0">
+                      <a:pos x="connsiteX0" y="connsiteY0"/>
+                    </a:cxn>
+                    <a:cxn ang="0">
+                      <a:pos x="connsiteX1" y="connsiteY1"/>
+                    </a:cxn>
+                    <a:cxn ang="0">
+                      <a:pos x="connsiteX2" y="connsiteY2"/>
+                    </a:cxn>
+                    <a:cxn ang="0">
+                      <a:pos x="connsiteX3" y="connsiteY3"/>
+                    </a:cxn>
+                    <a:cxn ang="0">
+                      <a:pos x="connsiteX4" y="connsiteY4"/>
+                    </a:cxn>
+                    <a:cxn ang="0">
+                      <a:pos x="connsiteX5" y="connsiteY5"/>
+                    </a:cxn>
+                  </a:cxnLst>
+                  <a:rect l="l" t="t" r="r" b="b"/>
+                  <a:pathLst>
+                    <a:path w="1787121" h="1787122">
+                      <a:moveTo>
+                        <a:pt x="1787121" y="0"/>
+                      </a:moveTo>
+                      <a:lnTo>
+                        <a:pt x="1787121" y="1787122"/>
+                      </a:lnTo>
+                      <a:lnTo>
+                        <a:pt x="0" y="1787122"/>
+                      </a:lnTo>
+                      <a:lnTo>
+                        <a:pt x="7166" y="1645208"/>
+                      </a:lnTo>
+                      <a:cubicBezTo>
+                        <a:pt x="94879" y="781515"/>
+                        <a:pt x="781515" y="94879"/>
+                        <a:pt x="1645208" y="7166"/>
+                      </a:cubicBezTo>
+                      <a:lnTo>
+                        <a:pt x="1787121" y="0"/>
+                      </a:lnTo>
+                      <a:close/>
+                    </a:path>
+                  </a:pathLst>
+                </a:custGeom>
+                <a:solidFill>
+                  <a:schemeClr val="tx2"/>
+                </a:solidFill>
+              </p:spPr>
+              <p:style>
+                <a:lnRef idx="2">
+                  <a:schemeClr val="accent1">
+                    <a:shade val="50000"/>
+                  </a:schemeClr>
+                </a:lnRef>
+                <a:fillRef idx="1">
+                  <a:schemeClr val="accent1"/>
+                </a:fillRef>
+                <a:effectRef idx="0">
+                  <a:schemeClr val="accent1"/>
+                </a:effectRef>
+                <a:fontRef idx="minor">
+                  <a:schemeClr val="lt1"/>
+                </a:fontRef>
+              </p:style>
+              <p:txBody>
+                <a:bodyPr rot="0" spcFirstLastPara="0" vert="horz" wrap="square" lIns="91440" tIns="45720" rIns="91440" bIns="45720" numCol="1" spcCol="0" rtlCol="0" fromWordArt="0" anchor="b" anchorCtr="0" forceAA="0" compatLnSpc="1">
+                  <a:prstTxWarp prst="textNoShape">
+                    <a:avLst/>
+                  </a:prstTxWarp>
+                  <a:noAutofit/>
+                </a:bodyPr>
+                <a:lstStyle>
+                  <a:lvl1pPr marL="0" indent="0">
+                    <a:defRPr sz="1100">
+                      <a:solidFill>
+                        <a:schemeClr val="lt1"/>
+                      </a:solidFill>
+                      <a:latin typeface="+mn-lt"/>
+                      <a:ea typeface="+mn-ea"/>
+                      <a:cs typeface="+mn-cs"/>
+                    </a:defRPr>
+                  </a:lvl1pPr>
+                  <a:lvl2pPr marL="457200" indent="0">
+                    <a:defRPr sz="1100">
+                      <a:solidFill>
+                        <a:schemeClr val="lt1"/>
+                      </a:solidFill>
+                      <a:latin typeface="+mn-lt"/>
+                      <a:ea typeface="+mn-ea"/>
+                      <a:cs typeface="+mn-cs"/>
+                    </a:defRPr>
+                  </a:lvl2pPr>
+                  <a:lvl3pPr marL="914400" indent="0">
+                    <a:defRPr sz="1100">
+                      <a:solidFill>
+                        <a:schemeClr val="lt1"/>
+                      </a:solidFill>
+                      <a:latin typeface="+mn-lt"/>
+                      <a:ea typeface="+mn-ea"/>
+                      <a:cs typeface="+mn-cs"/>
+                    </a:defRPr>
+                  </a:lvl3pPr>
+                  <a:lvl4pPr marL="1371600" indent="0">
+                    <a:defRPr sz="1100">
+                      <a:solidFill>
+                        <a:schemeClr val="lt1"/>
+                      </a:solidFill>
+                      <a:latin typeface="+mn-lt"/>
+                      <a:ea typeface="+mn-ea"/>
+                      <a:cs typeface="+mn-cs"/>
+                    </a:defRPr>
+                  </a:lvl4pPr>
+                  <a:lvl5pPr marL="1828800" indent="0">
+                    <a:defRPr sz="1100">
+                      <a:solidFill>
+                        <a:schemeClr val="lt1"/>
+                      </a:solidFill>
+                      <a:latin typeface="+mn-lt"/>
+                      <a:ea typeface="+mn-ea"/>
+                      <a:cs typeface="+mn-cs"/>
+                    </a:defRPr>
+                  </a:lvl5pPr>
+                  <a:lvl6pPr marL="2286000" indent="0">
+                    <a:defRPr sz="1100">
+                      <a:solidFill>
+                        <a:schemeClr val="lt1"/>
+                      </a:solidFill>
+                      <a:latin typeface="+mn-lt"/>
+                      <a:ea typeface="+mn-ea"/>
+                      <a:cs typeface="+mn-cs"/>
+                    </a:defRPr>
+                  </a:lvl6pPr>
+                  <a:lvl7pPr marL="2743200" indent="0">
+                    <a:defRPr sz="1100">
+                      <a:solidFill>
+                        <a:schemeClr val="lt1"/>
+                      </a:solidFill>
+                      <a:latin typeface="+mn-lt"/>
+                      <a:ea typeface="+mn-ea"/>
+                      <a:cs typeface="+mn-cs"/>
+                    </a:defRPr>
+                  </a:lvl7pPr>
+                  <a:lvl8pPr marL="3200400" indent="0">
+                    <a:defRPr sz="1100">
+                      <a:solidFill>
+                        <a:schemeClr val="lt1"/>
+                      </a:solidFill>
+                      <a:latin typeface="+mn-lt"/>
+                      <a:ea typeface="+mn-ea"/>
+                      <a:cs typeface="+mn-cs"/>
+                    </a:defRPr>
+                  </a:lvl8pPr>
+                  <a:lvl9pPr marL="3657600" indent="0">
+                    <a:defRPr sz="1100">
+                      <a:solidFill>
+                        <a:schemeClr val="lt1"/>
+                      </a:solidFill>
+                      <a:latin typeface="+mn-lt"/>
+                      <a:ea typeface="+mn-ea"/>
+                      <a:cs typeface="+mn-cs"/>
+                    </a:defRPr>
+                  </a:lvl9pPr>
+                </a:lstStyle>
+                <a:p>
+                  <a:pPr algn="r"/>
+                  <a:endParaRPr lang="en-US" sz="1100" dirty="0"/>
+                </a:p>
+              </p:txBody>
+            </p:sp>
+            <p:sp>
+              <p:nvSpPr>
+                <p:cNvPr id="43" name="Freeform: Shape 42">
+                  <a:extLst>
+                    <a:ext uri="{FF2B5EF4-FFF2-40B4-BE49-F238E27FC236}">
+                      <a16:creationId xmlns:a16="http://schemas.microsoft.com/office/drawing/2014/main" id="{FEDEF4BA-DE2C-44A7-ADB1-9477899CE1ED}"/>
+                    </a:ext>
+                  </a:extLst>
+                </p:cNvPr>
+                <p:cNvSpPr/>
+                <p:nvPr/>
+              </p:nvSpPr>
+              <p:spPr>
+                <a:xfrm>
+                  <a:off x="9952296" y="456622"/>
+                  <a:ext cx="1787121" cy="1787122"/>
+                </a:xfrm>
+                <a:custGeom>
+                  <a:avLst/>
+                  <a:gdLst>
+                    <a:gd name="connsiteX0" fmla="*/ 0 w 1787121"/>
+                    <a:gd name="connsiteY0" fmla="*/ 0 h 1787122"/>
+                    <a:gd name="connsiteX1" fmla="*/ 141913 w 1787121"/>
+                    <a:gd name="connsiteY1" fmla="*/ 7166 h 1787122"/>
+                    <a:gd name="connsiteX2" fmla="*/ 1779955 w 1787121"/>
+                    <a:gd name="connsiteY2" fmla="*/ 1645208 h 1787122"/>
+                    <a:gd name="connsiteX3" fmla="*/ 1787121 w 1787121"/>
+                    <a:gd name="connsiteY3" fmla="*/ 1787122 h 1787122"/>
+                    <a:gd name="connsiteX4" fmla="*/ 0 w 1787121"/>
+                    <a:gd name="connsiteY4" fmla="*/ 1787122 h 1787122"/>
+                    <a:gd name="connsiteX5" fmla="*/ 0 w 1787121"/>
+                    <a:gd name="connsiteY5" fmla="*/ 0 h 1787122"/>
+                  </a:gdLst>
+                  <a:ahLst/>
+                  <a:cxnLst>
+                    <a:cxn ang="0">
+                      <a:pos x="connsiteX0" y="connsiteY0"/>
+                    </a:cxn>
+                    <a:cxn ang="0">
+                      <a:pos x="connsiteX1" y="connsiteY1"/>
+                    </a:cxn>
+                    <a:cxn ang="0">
+                      <a:pos x="connsiteX2" y="connsiteY2"/>
+                    </a:cxn>
+                    <a:cxn ang="0">
+                      <a:pos x="connsiteX3" y="connsiteY3"/>
+                    </a:cxn>
+                    <a:cxn ang="0">
+                      <a:pos x="connsiteX4" y="connsiteY4"/>
+                    </a:cxn>
+                    <a:cxn ang="0">
+                      <a:pos x="connsiteX5" y="connsiteY5"/>
+                    </a:cxn>
+                  </a:cxnLst>
+                  <a:rect l="l" t="t" r="r" b="b"/>
+                  <a:pathLst>
+                    <a:path w="1787121" h="1787122">
+                      <a:moveTo>
+                        <a:pt x="0" y="0"/>
+                      </a:moveTo>
+                      <a:lnTo>
+                        <a:pt x="141913" y="7166"/>
+                      </a:lnTo>
+                      <a:cubicBezTo>
+                        <a:pt x="1005606" y="94879"/>
+                        <a:pt x="1692242" y="781515"/>
+                        <a:pt x="1779955" y="1645208"/>
+                      </a:cubicBezTo>
+                      <a:lnTo>
+                        <a:pt x="1787121" y="1787122"/>
+                      </a:lnTo>
+                      <a:lnTo>
+                        <a:pt x="0" y="1787122"/>
+                      </a:lnTo>
+                      <a:lnTo>
+                        <a:pt x="0" y="0"/>
+                      </a:lnTo>
+                      <a:close/>
+                    </a:path>
+                  </a:pathLst>
+                </a:custGeom>
+                <a:solidFill>
+                  <a:schemeClr val="tx2"/>
+                </a:solidFill>
+              </p:spPr>
+              <p:style>
+                <a:lnRef idx="2">
+                  <a:schemeClr val="accent1">
+                    <a:shade val="50000"/>
+                  </a:schemeClr>
+                </a:lnRef>
+                <a:fillRef idx="1">
+                  <a:schemeClr val="accent1"/>
+                </a:fillRef>
+                <a:effectRef idx="0">
+                  <a:schemeClr val="accent1"/>
+                </a:effectRef>
+                <a:fontRef idx="minor">
+                  <a:schemeClr val="lt1"/>
+                </a:fontRef>
+              </p:style>
+              <p:txBody>
+                <a:bodyPr rot="0" spcFirstLastPara="0" vert="horz" wrap="square" lIns="91440" tIns="45720" rIns="91440" bIns="45720" numCol="1" spcCol="0" rtlCol="0" fromWordArt="0" anchor="t" anchorCtr="0" forceAA="0" compatLnSpc="1">
+                  <a:prstTxWarp prst="textNoShape">
+                    <a:avLst/>
+                  </a:prstTxWarp>
+                  <a:noAutofit/>
+                </a:bodyPr>
+                <a:lstStyle>
+                  <a:lvl1pPr marL="0" indent="0">
+                    <a:defRPr sz="1100">
+                      <a:solidFill>
+                        <a:schemeClr val="lt1"/>
+                      </a:solidFill>
+                      <a:latin typeface="+mn-lt"/>
+                      <a:ea typeface="+mn-ea"/>
+                      <a:cs typeface="+mn-cs"/>
+                    </a:defRPr>
+                  </a:lvl1pPr>
+                  <a:lvl2pPr marL="457200" indent="0">
+                    <a:defRPr sz="1100">
+                      <a:solidFill>
+                        <a:schemeClr val="lt1"/>
+                      </a:solidFill>
+                      <a:latin typeface="+mn-lt"/>
+                      <a:ea typeface="+mn-ea"/>
+                      <a:cs typeface="+mn-cs"/>
+                    </a:defRPr>
+                  </a:lvl2pPr>
+                  <a:lvl3pPr marL="914400" indent="0">
+                    <a:defRPr sz="1100">
+                      <a:solidFill>
+                        <a:schemeClr val="lt1"/>
+                      </a:solidFill>
+                      <a:latin typeface="+mn-lt"/>
+                      <a:ea typeface="+mn-ea"/>
+                      <a:cs typeface="+mn-cs"/>
+                    </a:defRPr>
+                  </a:lvl3pPr>
+                  <a:lvl4pPr marL="1371600" indent="0">
+                    <a:defRPr sz="1100">
+                      <a:solidFill>
+                        <a:schemeClr val="lt1"/>
+                      </a:solidFill>
+                      <a:latin typeface="+mn-lt"/>
+                      <a:ea typeface="+mn-ea"/>
+                      <a:cs typeface="+mn-cs"/>
+                    </a:defRPr>
+                  </a:lvl4pPr>
+                  <a:lvl5pPr marL="1828800" indent="0">
+                    <a:defRPr sz="1100">
+                      <a:solidFill>
+                        <a:schemeClr val="lt1"/>
+                      </a:solidFill>
+                      <a:latin typeface="+mn-lt"/>
+                      <a:ea typeface="+mn-ea"/>
+                      <a:cs typeface="+mn-cs"/>
+                    </a:defRPr>
+                  </a:lvl5pPr>
+                  <a:lvl6pPr marL="2286000" indent="0">
+                    <a:defRPr sz="1100">
+                      <a:solidFill>
+                        <a:schemeClr val="lt1"/>
+                      </a:solidFill>
+                      <a:latin typeface="+mn-lt"/>
+                      <a:ea typeface="+mn-ea"/>
+                      <a:cs typeface="+mn-cs"/>
+                    </a:defRPr>
+                  </a:lvl6pPr>
+                  <a:lvl7pPr marL="2743200" indent="0">
+                    <a:defRPr sz="1100">
+                      <a:solidFill>
+                        <a:schemeClr val="lt1"/>
+                      </a:solidFill>
+                      <a:latin typeface="+mn-lt"/>
+                      <a:ea typeface="+mn-ea"/>
+                      <a:cs typeface="+mn-cs"/>
+                    </a:defRPr>
+                  </a:lvl7pPr>
+                  <a:lvl8pPr marL="3200400" indent="0">
+                    <a:defRPr sz="1100">
+                      <a:solidFill>
+                        <a:schemeClr val="lt1"/>
+                      </a:solidFill>
+                      <a:latin typeface="+mn-lt"/>
+                      <a:ea typeface="+mn-ea"/>
+                      <a:cs typeface="+mn-cs"/>
+                    </a:defRPr>
+                  </a:lvl8pPr>
+                  <a:lvl9pPr marL="3657600" indent="0">
+                    <a:defRPr sz="1100">
+                      <a:solidFill>
+                        <a:schemeClr val="lt1"/>
+                      </a:solidFill>
+                      <a:latin typeface="+mn-lt"/>
+                      <a:ea typeface="+mn-ea"/>
+                      <a:cs typeface="+mn-cs"/>
+                    </a:defRPr>
+                  </a:lvl9pPr>
+                </a:lstStyle>
+                <a:p>
+                  <a:pPr algn="l"/>
+                  <a:endParaRPr lang="en-US" sz="1100"/>
+                </a:p>
+              </p:txBody>
+            </p:sp>
+            <p:sp>
+              <p:nvSpPr>
+                <p:cNvPr id="39" name="Freeform: Shape 38">
+                  <a:extLst>
+                    <a:ext uri="{FF2B5EF4-FFF2-40B4-BE49-F238E27FC236}">
+                      <a16:creationId xmlns:a16="http://schemas.microsoft.com/office/drawing/2014/main" id="{F0382883-5B13-4F91-8F13-1A7521A2F8D3}"/>
+                    </a:ext>
+                  </a:extLst>
+                </p:cNvPr>
+                <p:cNvSpPr/>
+                <p:nvPr/>
+              </p:nvSpPr>
+              <p:spPr>
+                <a:xfrm>
+                  <a:off x="8073735" y="2335184"/>
+                  <a:ext cx="1787121" cy="1787120"/>
+                </a:xfrm>
+                <a:custGeom>
+                  <a:avLst/>
+                  <a:gdLst>
+                    <a:gd name="connsiteX0" fmla="*/ 0 w 1787121"/>
+                    <a:gd name="connsiteY0" fmla="*/ 0 h 1787120"/>
+                    <a:gd name="connsiteX1" fmla="*/ 1787121 w 1787121"/>
+                    <a:gd name="connsiteY1" fmla="*/ 0 h 1787120"/>
+                    <a:gd name="connsiteX2" fmla="*/ 1787121 w 1787121"/>
+                    <a:gd name="connsiteY2" fmla="*/ 1787120 h 1787120"/>
+                    <a:gd name="connsiteX3" fmla="*/ 1645208 w 1787121"/>
+                    <a:gd name="connsiteY3" fmla="*/ 1779954 h 1787120"/>
+                    <a:gd name="connsiteX4" fmla="*/ 7166 w 1787121"/>
+                    <a:gd name="connsiteY4" fmla="*/ 141912 h 1787120"/>
+                    <a:gd name="connsiteX5" fmla="*/ 0 w 1787121"/>
+                    <a:gd name="connsiteY5" fmla="*/ 0 h 1787120"/>
+                  </a:gdLst>
+                  <a:ahLst/>
+                  <a:cxnLst>
+                    <a:cxn ang="0">
+                      <a:pos x="connsiteX0" y="connsiteY0"/>
+                    </a:cxn>
+                    <a:cxn ang="0">
+                      <a:pos x="connsiteX1" y="connsiteY1"/>
+                    </a:cxn>
+                    <a:cxn ang="0">
+                      <a:pos x="connsiteX2" y="connsiteY2"/>
+                    </a:cxn>
+                    <a:cxn ang="0">
+                      <a:pos x="connsiteX3" y="connsiteY3"/>
+                    </a:cxn>
+                    <a:cxn ang="0">
+                      <a:pos x="connsiteX4" y="connsiteY4"/>
+                    </a:cxn>
+                    <a:cxn ang="0">
+                      <a:pos x="connsiteX5" y="connsiteY5"/>
+                    </a:cxn>
+                  </a:cxnLst>
+                  <a:rect l="l" t="t" r="r" b="b"/>
+                  <a:pathLst>
+                    <a:path w="1787121" h="1787120">
+                      <a:moveTo>
+                        <a:pt x="0" y="0"/>
+                      </a:moveTo>
+                      <a:lnTo>
+                        <a:pt x="1787121" y="0"/>
+                      </a:lnTo>
+                      <a:lnTo>
+                        <a:pt x="1787121" y="1787120"/>
+                      </a:lnTo>
+                      <a:lnTo>
+                        <a:pt x="1645208" y="1779954"/>
+                      </a:lnTo>
+                      <a:cubicBezTo>
+                        <a:pt x="781515" y="1692242"/>
+                        <a:pt x="94879" y="1005605"/>
+                        <a:pt x="7166" y="141912"/>
+                      </a:cubicBezTo>
+                      <a:lnTo>
+                        <a:pt x="0" y="0"/>
+                      </a:lnTo>
+                      <a:close/>
+                    </a:path>
+                  </a:pathLst>
+                </a:custGeom>
+                <a:solidFill>
+                  <a:schemeClr val="tx2"/>
+                </a:solidFill>
+              </p:spPr>
+              <p:style>
+                <a:lnRef idx="2">
+                  <a:schemeClr val="accent1">
+                    <a:shade val="50000"/>
+                  </a:schemeClr>
+                </a:lnRef>
+                <a:fillRef idx="1">
+                  <a:schemeClr val="accent1"/>
+                </a:fillRef>
+                <a:effectRef idx="0">
+                  <a:schemeClr val="accent1"/>
+                </a:effectRef>
+                <a:fontRef idx="minor">
+                  <a:schemeClr val="lt1"/>
+                </a:fontRef>
+              </p:style>
+              <p:txBody>
+                <a:bodyPr rot="0" spcFirstLastPara="0" vert="horz" wrap="square" lIns="91440" tIns="45720" rIns="91440" bIns="45720" numCol="1" spcCol="0" rtlCol="0" fromWordArt="0" anchor="t" anchorCtr="0" forceAA="0" compatLnSpc="1">
+                  <a:prstTxWarp prst="textNoShape">
+                    <a:avLst/>
+                  </a:prstTxWarp>
+                  <a:noAutofit/>
+                </a:bodyPr>
+                <a:lstStyle>
+                  <a:lvl1pPr marL="0" indent="0">
+                    <a:defRPr sz="1100">
+                      <a:solidFill>
+                        <a:schemeClr val="lt1"/>
+                      </a:solidFill>
+                      <a:latin typeface="+mn-lt"/>
+                      <a:ea typeface="+mn-ea"/>
+                      <a:cs typeface="+mn-cs"/>
+                    </a:defRPr>
+                  </a:lvl1pPr>
+                  <a:lvl2pPr marL="457200" indent="0">
+                    <a:defRPr sz="1100">
+                      <a:solidFill>
+                        <a:schemeClr val="lt1"/>
+                      </a:solidFill>
+                      <a:latin typeface="+mn-lt"/>
+                      <a:ea typeface="+mn-ea"/>
+                      <a:cs typeface="+mn-cs"/>
+                    </a:defRPr>
+                  </a:lvl2pPr>
+                  <a:lvl3pPr marL="914400" indent="0">
+                    <a:defRPr sz="1100">
+                      <a:solidFill>
+                        <a:schemeClr val="lt1"/>
+                      </a:solidFill>
+                      <a:latin typeface="+mn-lt"/>
+                      <a:ea typeface="+mn-ea"/>
+                      <a:cs typeface="+mn-cs"/>
+                    </a:defRPr>
+                  </a:lvl3pPr>
+                  <a:lvl4pPr marL="1371600" indent="0">
+                    <a:defRPr sz="1100">
+                      <a:solidFill>
+                        <a:schemeClr val="lt1"/>
+                      </a:solidFill>
+                      <a:latin typeface="+mn-lt"/>
+                      <a:ea typeface="+mn-ea"/>
+                      <a:cs typeface="+mn-cs"/>
+                    </a:defRPr>
+                  </a:lvl4pPr>
+                  <a:lvl5pPr marL="1828800" indent="0">
+                    <a:defRPr sz="1100">
+                      <a:solidFill>
+                        <a:schemeClr val="lt1"/>
+                      </a:solidFill>
+                      <a:latin typeface="+mn-lt"/>
+                      <a:ea typeface="+mn-ea"/>
+                      <a:cs typeface="+mn-cs"/>
+                    </a:defRPr>
+                  </a:lvl5pPr>
+                  <a:lvl6pPr marL="2286000" indent="0">
+                    <a:defRPr sz="1100">
+                      <a:solidFill>
+                        <a:schemeClr val="lt1"/>
+                      </a:solidFill>
+                      <a:latin typeface="+mn-lt"/>
+                      <a:ea typeface="+mn-ea"/>
+                      <a:cs typeface="+mn-cs"/>
+                    </a:defRPr>
+                  </a:lvl6pPr>
+                  <a:lvl7pPr marL="2743200" indent="0">
+                    <a:defRPr sz="1100">
+                      <a:solidFill>
+                        <a:schemeClr val="lt1"/>
+                      </a:solidFill>
+                      <a:latin typeface="+mn-lt"/>
+                      <a:ea typeface="+mn-ea"/>
+                      <a:cs typeface="+mn-cs"/>
+                    </a:defRPr>
+                  </a:lvl7pPr>
+                  <a:lvl8pPr marL="3200400" indent="0">
+                    <a:defRPr sz="1100">
+                      <a:solidFill>
+                        <a:schemeClr val="lt1"/>
+                      </a:solidFill>
+                      <a:latin typeface="+mn-lt"/>
+                      <a:ea typeface="+mn-ea"/>
+                      <a:cs typeface="+mn-cs"/>
+                    </a:defRPr>
+                  </a:lvl8pPr>
+                  <a:lvl9pPr marL="3657600" indent="0">
+                    <a:defRPr sz="1100">
+                      <a:solidFill>
+                        <a:schemeClr val="lt1"/>
+                      </a:solidFill>
+                      <a:latin typeface="+mn-lt"/>
+                      <a:ea typeface="+mn-ea"/>
+                      <a:cs typeface="+mn-cs"/>
+                    </a:defRPr>
+                  </a:lvl9pPr>
+                </a:lstStyle>
+                <a:p>
+                  <a:pPr algn="l"/>
+                  <a:endParaRPr lang="en-US" sz="1100"/>
+                </a:p>
+              </p:txBody>
+            </p:sp>
+            <p:sp>
+              <p:nvSpPr>
+                <p:cNvPr id="38" name="Freeform: Shape 37">
+                  <a:extLst>
+                    <a:ext uri="{FF2B5EF4-FFF2-40B4-BE49-F238E27FC236}">
+                      <a16:creationId xmlns:a16="http://schemas.microsoft.com/office/drawing/2014/main" id="{09400CD8-D9DC-4A30-B85C-D583E11C1132}"/>
+                    </a:ext>
+                  </a:extLst>
+                </p:cNvPr>
+                <p:cNvSpPr/>
+                <p:nvPr/>
+              </p:nvSpPr>
+              <p:spPr>
+                <a:xfrm>
+                  <a:off x="9952296" y="2335184"/>
+                  <a:ext cx="1787121" cy="1787120"/>
+                </a:xfrm>
+                <a:custGeom>
+                  <a:avLst/>
+                  <a:gdLst>
+                    <a:gd name="connsiteX0" fmla="*/ 0 w 1787121"/>
+                    <a:gd name="connsiteY0" fmla="*/ 0 h 1787120"/>
+                    <a:gd name="connsiteX1" fmla="*/ 1787121 w 1787121"/>
+                    <a:gd name="connsiteY1" fmla="*/ 0 h 1787120"/>
+                    <a:gd name="connsiteX2" fmla="*/ 1779955 w 1787121"/>
+                    <a:gd name="connsiteY2" fmla="*/ 141912 h 1787120"/>
+                    <a:gd name="connsiteX3" fmla="*/ 141913 w 1787121"/>
+                    <a:gd name="connsiteY3" fmla="*/ 1779954 h 1787120"/>
+                    <a:gd name="connsiteX4" fmla="*/ 0 w 1787121"/>
+                    <a:gd name="connsiteY4" fmla="*/ 1787120 h 1787120"/>
+                    <a:gd name="connsiteX5" fmla="*/ 0 w 1787121"/>
+                    <a:gd name="connsiteY5" fmla="*/ 0 h 1787120"/>
+                  </a:gdLst>
+                  <a:ahLst/>
+                  <a:cxnLst>
+                    <a:cxn ang="0">
+                      <a:pos x="connsiteX0" y="connsiteY0"/>
+                    </a:cxn>
+                    <a:cxn ang="0">
+                      <a:pos x="connsiteX1" y="connsiteY1"/>
+                    </a:cxn>
+                    <a:cxn ang="0">
+                      <a:pos x="connsiteX2" y="connsiteY2"/>
+                    </a:cxn>
+                    <a:cxn ang="0">
+                      <a:pos x="connsiteX3" y="connsiteY3"/>
+                    </a:cxn>
+                    <a:cxn ang="0">
+                      <a:pos x="connsiteX4" y="connsiteY4"/>
+                    </a:cxn>
+                    <a:cxn ang="0">
+                      <a:pos x="connsiteX5" y="connsiteY5"/>
+                    </a:cxn>
+                  </a:cxnLst>
+                  <a:rect l="l" t="t" r="r" b="b"/>
+                  <a:pathLst>
+                    <a:path w="1787121" h="1787120">
+                      <a:moveTo>
+                        <a:pt x="0" y="0"/>
+                      </a:moveTo>
+                      <a:lnTo>
+                        <a:pt x="1787121" y="0"/>
+                      </a:lnTo>
+                      <a:lnTo>
+                        <a:pt x="1779955" y="141912"/>
+                      </a:lnTo>
+                      <a:cubicBezTo>
+                        <a:pt x="1692242" y="1005605"/>
+                        <a:pt x="1005606" y="1692242"/>
+                        <a:pt x="141913" y="1779954"/>
+                      </a:cubicBezTo>
+                      <a:lnTo>
+                        <a:pt x="0" y="1787120"/>
+                      </a:lnTo>
+                      <a:lnTo>
+                        <a:pt x="0" y="0"/>
+                      </a:lnTo>
+                      <a:close/>
+                    </a:path>
+                  </a:pathLst>
+                </a:custGeom>
+                <a:solidFill>
+                  <a:schemeClr val="tx2"/>
+                </a:solidFill>
+              </p:spPr>
+              <p:style>
+                <a:lnRef idx="2">
+                  <a:schemeClr val="accent1">
+                    <a:shade val="50000"/>
+                  </a:schemeClr>
+                </a:lnRef>
+                <a:fillRef idx="1">
+                  <a:schemeClr val="accent1"/>
+                </a:fillRef>
+                <a:effectRef idx="0">
+                  <a:schemeClr val="accent1"/>
+                </a:effectRef>
+                <a:fontRef idx="minor">
+                  <a:schemeClr val="lt1"/>
+                </a:fontRef>
+              </p:style>
+              <p:txBody>
+                <a:bodyPr rot="0" spcFirstLastPara="0" vert="horz" wrap="square" lIns="91440" tIns="45720" rIns="91440" bIns="45720" numCol="1" spcCol="0" rtlCol="0" fromWordArt="0" anchor="t" anchorCtr="0" forceAA="0" compatLnSpc="1">
+                  <a:prstTxWarp prst="textNoShape">
+                    <a:avLst/>
+                  </a:prstTxWarp>
+                  <a:noAutofit/>
+                </a:bodyPr>
+                <a:lstStyle>
+                  <a:lvl1pPr marL="0" indent="0">
+                    <a:defRPr sz="1100">
+                      <a:solidFill>
+                        <a:schemeClr val="lt1"/>
+                      </a:solidFill>
+                      <a:latin typeface="+mn-lt"/>
+                      <a:ea typeface="+mn-ea"/>
+                      <a:cs typeface="+mn-cs"/>
+                    </a:defRPr>
+                  </a:lvl1pPr>
+                  <a:lvl2pPr marL="457200" indent="0">
+                    <a:defRPr sz="1100">
+                      <a:solidFill>
+                        <a:schemeClr val="lt1"/>
+                      </a:solidFill>
+                      <a:latin typeface="+mn-lt"/>
+                      <a:ea typeface="+mn-ea"/>
+                      <a:cs typeface="+mn-cs"/>
+                    </a:defRPr>
+                  </a:lvl2pPr>
+                  <a:lvl3pPr marL="914400" indent="0">
+                    <a:defRPr sz="1100">
+                      <a:solidFill>
+                        <a:schemeClr val="lt1"/>
+                      </a:solidFill>
+                      <a:latin typeface="+mn-lt"/>
+                      <a:ea typeface="+mn-ea"/>
+                      <a:cs typeface="+mn-cs"/>
+                    </a:defRPr>
+                  </a:lvl3pPr>
+                  <a:lvl4pPr marL="1371600" indent="0">
+                    <a:defRPr sz="1100">
+                      <a:solidFill>
+                        <a:schemeClr val="lt1"/>
+                      </a:solidFill>
+                      <a:latin typeface="+mn-lt"/>
+                      <a:ea typeface="+mn-ea"/>
+                      <a:cs typeface="+mn-cs"/>
+                    </a:defRPr>
+                  </a:lvl4pPr>
+                  <a:lvl5pPr marL="1828800" indent="0">
+                    <a:defRPr sz="1100">
+                      <a:solidFill>
+                        <a:schemeClr val="lt1"/>
+                      </a:solidFill>
+                      <a:latin typeface="+mn-lt"/>
+                      <a:ea typeface="+mn-ea"/>
+                      <a:cs typeface="+mn-cs"/>
+                    </a:defRPr>
+                  </a:lvl5pPr>
+                  <a:lvl6pPr marL="2286000" indent="0">
+                    <a:defRPr sz="1100">
+                      <a:solidFill>
+                        <a:schemeClr val="lt1"/>
+                      </a:solidFill>
+                      <a:latin typeface="+mn-lt"/>
+                      <a:ea typeface="+mn-ea"/>
+                      <a:cs typeface="+mn-cs"/>
+                    </a:defRPr>
+                  </a:lvl6pPr>
+                  <a:lvl7pPr marL="2743200" indent="0">
+                    <a:defRPr sz="1100">
+                      <a:solidFill>
+                        <a:schemeClr val="lt1"/>
+                      </a:solidFill>
+                      <a:latin typeface="+mn-lt"/>
+                      <a:ea typeface="+mn-ea"/>
+                      <a:cs typeface="+mn-cs"/>
+                    </a:defRPr>
+                  </a:lvl7pPr>
+                  <a:lvl8pPr marL="3200400" indent="0">
+                    <a:defRPr sz="1100">
+                      <a:solidFill>
+                        <a:schemeClr val="lt1"/>
+                      </a:solidFill>
+                      <a:latin typeface="+mn-lt"/>
+                      <a:ea typeface="+mn-ea"/>
+                      <a:cs typeface="+mn-cs"/>
+                    </a:defRPr>
+                  </a:lvl8pPr>
+                  <a:lvl9pPr marL="3657600" indent="0">
+                    <a:defRPr sz="1100">
+                      <a:solidFill>
+                        <a:schemeClr val="lt1"/>
+                      </a:solidFill>
+                      <a:latin typeface="+mn-lt"/>
+                      <a:ea typeface="+mn-ea"/>
+                      <a:cs typeface="+mn-cs"/>
+                    </a:defRPr>
+                  </a:lvl9pPr>
+                </a:lstStyle>
+                <a:p>
+                  <a:pPr algn="l"/>
+                  <a:endParaRPr lang="en-US" sz="1100"/>
+                </a:p>
+              </p:txBody>
+            </p:sp>
+          </p:grpSp>
+          <p:sp>
+            <p:nvSpPr>
+              <p:cNvPr id="1028" name="Arc 1027">
+                <a:extLst>
+                  <a:ext uri="{FF2B5EF4-FFF2-40B4-BE49-F238E27FC236}">
+                    <a16:creationId xmlns:a16="http://schemas.microsoft.com/office/drawing/2014/main" id="{7A0B27FC-EEC2-46B1-ACC4-F718A3F432FD}"/>
+                  </a:ext>
+                </a:extLst>
+              </p:cNvPr>
+              <p:cNvSpPr/>
+              <p:nvPr/>
+            </p:nvSpPr>
+            <p:spPr>
+              <a:xfrm rot="10800000">
+                <a:off x="7895039" y="295563"/>
+                <a:ext cx="3931633" cy="3931633"/>
+              </a:xfrm>
+              <a:prstGeom prst="arc">
+                <a:avLst>
+                  <a:gd name="adj1" fmla="val 55158"/>
+                  <a:gd name="adj2" fmla="val 5382693"/>
+                </a:avLst>
+              </a:prstGeom>
+              <a:ln w="76200">
+                <a:solidFill>
+                  <a:schemeClr val="bg1">
+                    <a:lumMod val="75000"/>
+                  </a:schemeClr>
+                </a:solidFill>
+                <a:tailEnd type="stealth"/>
+              </a:ln>
+            </p:spPr>
+            <p:style>
+              <a:lnRef idx="1">
+                <a:schemeClr val="accent1"/>
+              </a:lnRef>
+              <a:fillRef idx="0">
+                <a:schemeClr val="accent1"/>
+              </a:fillRef>
+              <a:effectRef idx="0">
+                <a:schemeClr val="accent1"/>
+              </a:effectRef>
+              <a:fontRef idx="minor">
+                <a:schemeClr val="tx1"/>
+              </a:fontRef>
+            </p:style>
+            <p:txBody>
+              <a:bodyPr rtlCol="0" anchor="ctr"/>
+              <a:lstStyle/>
+              <a:p>
+                <a:pPr algn="ctr"/>
+                <a:endParaRPr lang="en-US"/>
+              </a:p>
+            </p:txBody>
+          </p:sp>
+          <p:sp>
+            <p:nvSpPr>
+              <p:cNvPr id="54" name="Arc 53">
+                <a:extLst>
+                  <a:ext uri="{FF2B5EF4-FFF2-40B4-BE49-F238E27FC236}">
+                    <a16:creationId xmlns:a16="http://schemas.microsoft.com/office/drawing/2014/main" id="{C3F226B6-5B02-4450-9284-D81CD897B65C}"/>
+                  </a:ext>
+                </a:extLst>
+              </p:cNvPr>
+              <p:cNvSpPr/>
+              <p:nvPr/>
+            </p:nvSpPr>
+            <p:spPr>
+              <a:xfrm rot="5400000">
+                <a:off x="7998950" y="417949"/>
+                <a:ext cx="3733053" cy="3931633"/>
+              </a:xfrm>
+              <a:prstGeom prst="arc">
+                <a:avLst>
+                  <a:gd name="adj1" fmla="val 55158"/>
+                  <a:gd name="adj2" fmla="val 5382693"/>
+                </a:avLst>
+              </a:prstGeom>
+              <a:ln w="76200">
+                <a:solidFill>
+                  <a:schemeClr val="bg1">
+                    <a:lumMod val="75000"/>
+                  </a:schemeClr>
+                </a:solidFill>
+                <a:tailEnd type="stealth"/>
+              </a:ln>
+            </p:spPr>
+            <p:style>
+              <a:lnRef idx="1">
+                <a:schemeClr val="accent1"/>
+              </a:lnRef>
+              <a:fillRef idx="0">
+                <a:schemeClr val="accent1"/>
+              </a:fillRef>
+              <a:effectRef idx="0">
+                <a:schemeClr val="accent1"/>
+              </a:effectRef>
+              <a:fontRef idx="minor">
+                <a:schemeClr val="tx1"/>
+              </a:fontRef>
+            </p:style>
+            <p:txBody>
+              <a:bodyPr rtlCol="0" anchor="ctr"/>
+              <a:lstStyle/>
+              <a:p>
+                <a:pPr algn="ctr"/>
+                <a:endParaRPr lang="en-US"/>
+              </a:p>
+            </p:txBody>
+          </p:sp>
+          <p:sp>
+            <p:nvSpPr>
+              <p:cNvPr id="55" name="Arc 54">
+                <a:extLst>
+                  <a:ext uri="{FF2B5EF4-FFF2-40B4-BE49-F238E27FC236}">
+                    <a16:creationId xmlns:a16="http://schemas.microsoft.com/office/drawing/2014/main" id="{A0E3108B-D7CD-494C-A5C4-392AE18B2DDB}"/>
+                  </a:ext>
+                </a:extLst>
+              </p:cNvPr>
+              <p:cNvSpPr/>
+              <p:nvPr/>
+            </p:nvSpPr>
+            <p:spPr>
+              <a:xfrm rot="10800000" flipH="1">
+                <a:off x="7982295" y="307111"/>
+                <a:ext cx="3931633" cy="3931633"/>
+              </a:xfrm>
+              <a:prstGeom prst="arc">
+                <a:avLst>
+                  <a:gd name="adj1" fmla="val 55158"/>
+                  <a:gd name="adj2" fmla="val 5382693"/>
+                </a:avLst>
+              </a:prstGeom>
+              <a:ln w="76200">
+                <a:solidFill>
+                  <a:schemeClr val="bg1">
+                    <a:lumMod val="75000"/>
+                  </a:schemeClr>
+                </a:solidFill>
+                <a:headEnd type="stealth"/>
+                <a:tailEnd type="none"/>
+              </a:ln>
+            </p:spPr>
+            <p:style>
+              <a:lnRef idx="1">
+                <a:schemeClr val="accent1"/>
+              </a:lnRef>
+              <a:fillRef idx="0">
+                <a:schemeClr val="accent1"/>
+              </a:fillRef>
+              <a:effectRef idx="0">
+                <a:schemeClr val="accent1"/>
+              </a:effectRef>
+              <a:fontRef idx="minor">
+                <a:schemeClr val="tx1"/>
+              </a:fontRef>
+            </p:style>
+            <p:txBody>
+              <a:bodyPr rtlCol="0" anchor="ctr"/>
+              <a:lstStyle/>
+              <a:p>
+                <a:pPr algn="ctr"/>
+                <a:endParaRPr lang="en-US"/>
+              </a:p>
+            </p:txBody>
+          </p:sp>
+          <p:sp>
+            <p:nvSpPr>
+              <p:cNvPr id="56" name="Arc 55">
+                <a:extLst>
+                  <a:ext uri="{FF2B5EF4-FFF2-40B4-BE49-F238E27FC236}">
+                    <a16:creationId xmlns:a16="http://schemas.microsoft.com/office/drawing/2014/main" id="{F0A6A8FC-A67A-461A-BF20-C55D712518EC}"/>
+                  </a:ext>
+                </a:extLst>
+              </p:cNvPr>
+              <p:cNvSpPr/>
+              <p:nvPr/>
+            </p:nvSpPr>
+            <p:spPr>
+              <a:xfrm rot="16200000" flipH="1">
+                <a:off x="8077462" y="417949"/>
+                <a:ext cx="3733053" cy="3931633"/>
+              </a:xfrm>
+              <a:prstGeom prst="arc">
+                <a:avLst>
+                  <a:gd name="adj1" fmla="val 55158"/>
+                  <a:gd name="adj2" fmla="val 5382693"/>
+                </a:avLst>
+              </a:prstGeom>
+              <a:ln w="76200">
+                <a:solidFill>
+                  <a:schemeClr val="bg1">
+                    <a:lumMod val="75000"/>
+                  </a:schemeClr>
+                </a:solidFill>
+                <a:headEnd type="stealth"/>
+                <a:tailEnd type="none"/>
+              </a:ln>
+            </p:spPr>
+            <p:style>
+              <a:lnRef idx="1">
+                <a:schemeClr val="accent1"/>
+              </a:lnRef>
+              <a:fillRef idx="0">
+                <a:schemeClr val="accent1"/>
+              </a:fillRef>
+              <a:effectRef idx="0">
+                <a:schemeClr val="accent1"/>
+              </a:effectRef>
+              <a:fontRef idx="minor">
+                <a:schemeClr val="tx1"/>
+              </a:fontRef>
+            </p:style>
+            <p:txBody>
+              <a:bodyPr rtlCol="0" anchor="ctr"/>
+              <a:lstStyle/>
+              <a:p>
+                <a:pPr algn="ctr"/>
+                <a:endParaRPr lang="en-US"/>
+              </a:p>
+            </p:txBody>
+          </p:sp>
+        </p:grpSp>
+        <p:sp>
+          <p:nvSpPr>
+            <p:cNvPr id="1030" name="TextBox 1029">
+              <a:extLst>
+                <a:ext uri="{FF2B5EF4-FFF2-40B4-BE49-F238E27FC236}">
+                  <a16:creationId xmlns:a16="http://schemas.microsoft.com/office/drawing/2014/main" id="{191664D2-7DC2-4AE5-85B7-765238F8918D}"/>
+                </a:ext>
+              </a:extLst>
+            </p:cNvPr>
+            <p:cNvSpPr txBox="1"/>
+            <p:nvPr/>
+          </p:nvSpPr>
+          <p:spPr>
+            <a:xfrm>
+              <a:off x="6807024" y="1653582"/>
+              <a:ext cx="1984048" cy="1169551"/>
+            </a:xfrm>
+            <a:prstGeom prst="rect">
+              <a:avLst/>
+            </a:prstGeom>
+            <a:noFill/>
+          </p:spPr>
+          <p:txBody>
+            <a:bodyPr wrap="square" rtlCol="0">
+              <a:spAutoFit/>
+            </a:bodyPr>
+            <a:lstStyle/>
+            <a:p>
+              <a:pPr algn="ctr"/>
+              <a:r>
+                <a:rPr lang="en-US" sz="1400" dirty="0">
+                  <a:solidFill>
+                    <a:schemeClr val="bg1"/>
+                  </a:solidFill>
+                  <a:latin typeface="Arial" panose="020B0604020202020204" pitchFamily="34" charset="0"/>
+                  <a:cs typeface="Arial" panose="020B0604020202020204" pitchFamily="34" charset="0"/>
+                </a:rPr>
+                <a:t>Act</a:t>
+              </a:r>
+            </a:p>
+            <a:p>
+              <a:endParaRPr lang="en-US" sz="1400" dirty="0">
+                <a:solidFill>
+                  <a:schemeClr val="bg1"/>
+                </a:solidFill>
+                <a:latin typeface="Arial" panose="020B0604020202020204" pitchFamily="34" charset="0"/>
+                <a:cs typeface="Arial" panose="020B0604020202020204" pitchFamily="34" charset="0"/>
+              </a:endParaRPr>
+            </a:p>
+            <a:p>
+              <a:pPr marL="171450" indent="-171450">
+                <a:buFont typeface="Arial" panose="020B0604020202020204" pitchFamily="34" charset="0"/>
+                <a:buChar char="•"/>
+              </a:pPr>
+              <a:r>
+                <a:rPr lang="en-US" sz="1400" dirty="0">
+                  <a:solidFill>
+                    <a:schemeClr val="bg1"/>
+                  </a:solidFill>
+                  <a:latin typeface="Arial" panose="020B0604020202020204" pitchFamily="34" charset="0"/>
+                  <a:cs typeface="Arial" panose="020B0604020202020204" pitchFamily="34" charset="0"/>
+                </a:rPr>
+                <a:t>What changes are to be made?</a:t>
+              </a:r>
+            </a:p>
+            <a:p>
+              <a:pPr marL="171450" indent="-171450">
+                <a:buFont typeface="Arial" panose="020B0604020202020204" pitchFamily="34" charset="0"/>
+                <a:buChar char="•"/>
+              </a:pPr>
+              <a:r>
+                <a:rPr lang="en-US" sz="1400" dirty="0">
+                  <a:solidFill>
+                    <a:schemeClr val="bg1"/>
+                  </a:solidFill>
+                  <a:latin typeface="Arial" panose="020B0604020202020204" pitchFamily="34" charset="0"/>
+                  <a:cs typeface="Arial" panose="020B0604020202020204" pitchFamily="34" charset="0"/>
+                </a:rPr>
+                <a:t>Next cycle</a:t>
+              </a:r>
+            </a:p>
+          </p:txBody>
+        </p:sp>
+        <p:sp>
+          <p:nvSpPr>
+            <p:cNvPr id="59" name="TextBox 58">
+              <a:extLst>
+                <a:ext uri="{FF2B5EF4-FFF2-40B4-BE49-F238E27FC236}">
+                  <a16:creationId xmlns:a16="http://schemas.microsoft.com/office/drawing/2014/main" id="{65927638-0F88-4C9A-A509-47C485AFA7AE}"/>
+                </a:ext>
+              </a:extLst>
+            </p:cNvPr>
+            <p:cNvSpPr txBox="1"/>
+            <p:nvPr/>
+          </p:nvSpPr>
+          <p:spPr>
+            <a:xfrm>
+              <a:off x="9089756" y="1653582"/>
+              <a:ext cx="2533491" cy="1169551"/>
+            </a:xfrm>
+            <a:prstGeom prst="rect">
+              <a:avLst/>
+            </a:prstGeom>
+            <a:noFill/>
+          </p:spPr>
+          <p:txBody>
+            <a:bodyPr wrap="square" rtlCol="0">
+              <a:spAutoFit/>
+            </a:bodyPr>
+            <a:lstStyle/>
+            <a:p>
+              <a:pPr algn="ctr"/>
+              <a:r>
+                <a:rPr lang="en-US" sz="1400" dirty="0">
+                  <a:solidFill>
+                    <a:schemeClr val="bg1"/>
+                  </a:solidFill>
+                  <a:latin typeface="Arial" panose="020B0604020202020204" pitchFamily="34" charset="0"/>
+                  <a:cs typeface="Arial" panose="020B0604020202020204" pitchFamily="34" charset="0"/>
+                </a:rPr>
+                <a:t>Plan</a:t>
+              </a:r>
+            </a:p>
+            <a:p>
+              <a:endParaRPr lang="en-US" sz="1400" dirty="0">
+                <a:solidFill>
+                  <a:schemeClr val="bg1"/>
+                </a:solidFill>
+                <a:latin typeface="Arial" panose="020B0604020202020204" pitchFamily="34" charset="0"/>
+                <a:cs typeface="Arial" panose="020B0604020202020204" pitchFamily="34" charset="0"/>
+              </a:endParaRPr>
+            </a:p>
+            <a:p>
+              <a:pPr marL="171450" indent="-171450">
+                <a:buFont typeface="Arial" panose="020B0604020202020204" pitchFamily="34" charset="0"/>
+                <a:buChar char="•"/>
+              </a:pPr>
+              <a:r>
+                <a:rPr lang="en-US" sz="1400" dirty="0">
+                  <a:solidFill>
+                    <a:schemeClr val="bg1"/>
+                  </a:solidFill>
+                  <a:latin typeface="Arial" panose="020B0604020202020204" pitchFamily="34" charset="0"/>
+                  <a:cs typeface="Arial" panose="020B0604020202020204" pitchFamily="34" charset="0"/>
+                </a:rPr>
+                <a:t>Objective</a:t>
+              </a:r>
+            </a:p>
+            <a:p>
+              <a:pPr marL="171450" indent="-171450">
+                <a:buFont typeface="Arial" panose="020B0604020202020204" pitchFamily="34" charset="0"/>
+                <a:buChar char="•"/>
+              </a:pPr>
+              <a:r>
+                <a:rPr lang="en-US" sz="1400" dirty="0">
+                  <a:solidFill>
+                    <a:schemeClr val="bg1"/>
+                  </a:solidFill>
+                  <a:latin typeface="Arial" panose="020B0604020202020204" pitchFamily="34" charset="0"/>
+                  <a:cs typeface="Arial" panose="020B0604020202020204" pitchFamily="34" charset="0"/>
+                </a:rPr>
+                <a:t>Questions / Predictions</a:t>
+              </a:r>
+            </a:p>
+            <a:p>
+              <a:pPr marL="171450" indent="-171450">
+                <a:buFont typeface="Arial" panose="020B0604020202020204" pitchFamily="34" charset="0"/>
+                <a:buChar char="•"/>
+              </a:pPr>
+              <a:r>
+                <a:rPr lang="en-US" sz="1400" dirty="0">
+                  <a:solidFill>
+                    <a:schemeClr val="bg1"/>
+                  </a:solidFill>
+                  <a:latin typeface="Arial" panose="020B0604020202020204" pitchFamily="34" charset="0"/>
+                  <a:cs typeface="Arial" panose="020B0604020202020204" pitchFamily="34" charset="0"/>
+                </a:rPr>
+                <a:t>Plan to carry-out cycle</a:t>
+              </a:r>
+            </a:p>
+          </p:txBody>
+        </p:sp>
+        <p:sp>
+          <p:nvSpPr>
+            <p:cNvPr id="60" name="TextBox 59">
+              <a:extLst>
+                <a:ext uri="{FF2B5EF4-FFF2-40B4-BE49-F238E27FC236}">
+                  <a16:creationId xmlns:a16="http://schemas.microsoft.com/office/drawing/2014/main" id="{02BF970F-5FB0-4F90-82C0-FF515FF97DB0}"/>
+                </a:ext>
+              </a:extLst>
+            </p:cNvPr>
+            <p:cNvSpPr txBox="1"/>
+            <p:nvPr/>
+          </p:nvSpPr>
+          <p:spPr>
+            <a:xfrm>
+              <a:off x="6807024" y="3177940"/>
+              <a:ext cx="1984048" cy="1815882"/>
+            </a:xfrm>
+            <a:prstGeom prst="rect">
+              <a:avLst/>
+            </a:prstGeom>
+            <a:noFill/>
+          </p:spPr>
+          <p:txBody>
+            <a:bodyPr wrap="square" rtlCol="0">
+              <a:spAutoFit/>
+            </a:bodyPr>
+            <a:lstStyle/>
+            <a:p>
+              <a:pPr algn="ctr"/>
+              <a:r>
+                <a:rPr lang="en-US" sz="1400" dirty="0">
+                  <a:solidFill>
+                    <a:schemeClr val="bg1"/>
+                  </a:solidFill>
+                  <a:latin typeface="Arial" panose="020B0604020202020204" pitchFamily="34" charset="0"/>
+                  <a:cs typeface="Arial" panose="020B0604020202020204" pitchFamily="34" charset="0"/>
+                </a:rPr>
+                <a:t>Study</a:t>
+              </a:r>
+            </a:p>
+            <a:p>
+              <a:endParaRPr lang="en-US" sz="1400" dirty="0">
+                <a:solidFill>
+                  <a:schemeClr val="bg1"/>
+                </a:solidFill>
+                <a:latin typeface="Arial" panose="020B0604020202020204" pitchFamily="34" charset="0"/>
+                <a:cs typeface="Arial" panose="020B0604020202020204" pitchFamily="34" charset="0"/>
+              </a:endParaRPr>
+            </a:p>
+            <a:p>
+              <a:pPr marL="171450" indent="-171450">
+                <a:buFont typeface="Arial" panose="020B0604020202020204" pitchFamily="34" charset="0"/>
+                <a:buChar char="•"/>
+              </a:pPr>
+              <a:r>
+                <a:rPr lang="en-US" sz="1400" dirty="0">
+                  <a:solidFill>
+                    <a:schemeClr val="bg1"/>
+                  </a:solidFill>
+                  <a:latin typeface="Arial" panose="020B0604020202020204" pitchFamily="34" charset="0"/>
+                  <a:cs typeface="Arial" panose="020B0604020202020204" pitchFamily="34" charset="0"/>
+                </a:rPr>
+                <a:t>Compare analysis of data</a:t>
+              </a:r>
+            </a:p>
+            <a:p>
+              <a:pPr marL="171450" indent="-171450">
+                <a:buFont typeface="Arial" panose="020B0604020202020204" pitchFamily="34" charset="0"/>
+                <a:buChar char="•"/>
+              </a:pPr>
+              <a:r>
+                <a:rPr lang="en-US" sz="1400" dirty="0">
+                  <a:solidFill>
+                    <a:schemeClr val="bg1"/>
+                  </a:solidFill>
+                  <a:latin typeface="Arial" panose="020B0604020202020204" pitchFamily="34" charset="0"/>
+                  <a:cs typeface="Arial" panose="020B0604020202020204" pitchFamily="34" charset="0"/>
+                </a:rPr>
+                <a:t>Compare data to predictions</a:t>
+              </a:r>
+            </a:p>
+            <a:p>
+              <a:pPr marL="171450" indent="-171450">
+                <a:buFont typeface="Arial" panose="020B0604020202020204" pitchFamily="34" charset="0"/>
+                <a:buChar char="•"/>
+              </a:pPr>
+              <a:r>
+                <a:rPr lang="en-US" sz="1400" dirty="0">
+                  <a:solidFill>
+                    <a:schemeClr val="bg1"/>
+                  </a:solidFill>
+                  <a:latin typeface="Arial" panose="020B0604020202020204" pitchFamily="34" charset="0"/>
+                  <a:cs typeface="Arial" panose="020B0604020202020204" pitchFamily="34" charset="0"/>
+                </a:rPr>
+                <a:t>Summarize what was learned</a:t>
+              </a:r>
+            </a:p>
+          </p:txBody>
+        </p:sp>
+        <p:sp>
+          <p:nvSpPr>
+            <p:cNvPr id="61" name="TextBox 60">
+              <a:extLst>
+                <a:ext uri="{FF2B5EF4-FFF2-40B4-BE49-F238E27FC236}">
+                  <a16:creationId xmlns:a16="http://schemas.microsoft.com/office/drawing/2014/main" id="{DE252C2B-AF76-4C76-9F2A-F6BFCF710CD7}"/>
+                </a:ext>
+              </a:extLst>
+            </p:cNvPr>
+            <p:cNvSpPr txBox="1"/>
+            <p:nvPr/>
+          </p:nvSpPr>
+          <p:spPr>
+            <a:xfrm>
+              <a:off x="9089756" y="3177940"/>
+              <a:ext cx="2533491" cy="1384995"/>
+            </a:xfrm>
+            <a:prstGeom prst="rect">
+              <a:avLst/>
+            </a:prstGeom>
+            <a:noFill/>
+          </p:spPr>
+          <p:txBody>
+            <a:bodyPr wrap="square" rtlCol="0">
+              <a:spAutoFit/>
+            </a:bodyPr>
+            <a:lstStyle/>
+            <a:p>
+              <a:pPr algn="ctr"/>
+              <a:r>
+                <a:rPr lang="en-US" sz="1400" dirty="0">
+                  <a:solidFill>
+                    <a:schemeClr val="bg1"/>
+                  </a:solidFill>
+                  <a:latin typeface="Arial" panose="020B0604020202020204" pitchFamily="34" charset="0"/>
+                  <a:cs typeface="Arial" panose="020B0604020202020204" pitchFamily="34" charset="0"/>
+                </a:rPr>
+                <a:t>Do</a:t>
+              </a:r>
+            </a:p>
+            <a:p>
+              <a:endParaRPr lang="en-US" sz="1400" dirty="0">
+                <a:solidFill>
+                  <a:schemeClr val="bg1"/>
+                </a:solidFill>
+                <a:latin typeface="Arial" panose="020B0604020202020204" pitchFamily="34" charset="0"/>
+                <a:cs typeface="Arial" panose="020B0604020202020204" pitchFamily="34" charset="0"/>
+              </a:endParaRPr>
+            </a:p>
+            <a:p>
+              <a:pPr marL="171450" indent="-171450">
+                <a:buFont typeface="Arial" panose="020B0604020202020204" pitchFamily="34" charset="0"/>
+                <a:buChar char="•"/>
+              </a:pPr>
+              <a:r>
+                <a:rPr lang="en-US" sz="1400" dirty="0">
+                  <a:solidFill>
+                    <a:schemeClr val="bg1"/>
+                  </a:solidFill>
+                  <a:latin typeface="Arial" panose="020B0604020202020204" pitchFamily="34" charset="0"/>
+                  <a:cs typeface="Arial" panose="020B0604020202020204" pitchFamily="34" charset="0"/>
+                </a:rPr>
+                <a:t>Carry out plan</a:t>
+              </a:r>
+            </a:p>
+            <a:p>
+              <a:pPr marL="171450" indent="-171450">
+                <a:buFont typeface="Arial" panose="020B0604020202020204" pitchFamily="34" charset="0"/>
+                <a:buChar char="•"/>
+              </a:pPr>
+              <a:r>
+                <a:rPr lang="en-US" sz="1400" dirty="0">
+                  <a:solidFill>
+                    <a:schemeClr val="bg1"/>
+                  </a:solidFill>
+                  <a:latin typeface="Arial" panose="020B0604020202020204" pitchFamily="34" charset="0"/>
+                  <a:cs typeface="Arial" panose="020B0604020202020204" pitchFamily="34" charset="0"/>
+                </a:rPr>
+                <a:t>Document problems and observations</a:t>
+              </a:r>
+            </a:p>
+            <a:p>
+              <a:pPr marL="171450" indent="-171450">
+                <a:buFont typeface="Arial" panose="020B0604020202020204" pitchFamily="34" charset="0"/>
+                <a:buChar char="•"/>
+              </a:pPr>
+              <a:r>
+                <a:rPr lang="en-US" sz="1400" dirty="0">
+                  <a:solidFill>
+                    <a:schemeClr val="bg1"/>
+                  </a:solidFill>
+                  <a:latin typeface="Arial" panose="020B0604020202020204" pitchFamily="34" charset="0"/>
+                  <a:cs typeface="Arial" panose="020B0604020202020204" pitchFamily="34" charset="0"/>
+                </a:rPr>
+                <a:t>Begin analysis</a:t>
+              </a:r>
+            </a:p>
+          </p:txBody>
+        </p:sp>
+      </p:grpSp>
+      <p:graphicFrame>
+        <p:nvGraphicFramePr>
+          <p:cNvPr id="1033" name="Table 1033">
+            <a:extLst>
+              <a:ext uri="{FF2B5EF4-FFF2-40B4-BE49-F238E27FC236}">
+                <a16:creationId xmlns:a16="http://schemas.microsoft.com/office/drawing/2014/main" id="{AE729054-59B5-49F3-85F9-147D82B24494}"/>
+              </a:ext>
+            </a:extLst>
+          </p:cNvPr>
+          <p:cNvGraphicFramePr>
+            <a:graphicFrameLocks noGrp="1"/>
+          </p:cNvGraphicFramePr>
+          <p:nvPr>
+            <p:extLst>
+              <p:ext uri="{D42A27DB-BD31-4B8C-83A1-F6EECF244321}">
+                <p14:modId xmlns:p14="http://schemas.microsoft.com/office/powerpoint/2010/main" val="488567401"/>
+              </p:ext>
+            </p:extLst>
+          </p:nvPr>
+        </p:nvGraphicFramePr>
+        <p:xfrm>
+          <a:off x="0" y="-3937"/>
+          <a:ext cx="6096000" cy="6861938"/>
+        </p:xfrm>
+        <a:graphic>
+          <a:graphicData uri="http://schemas.openxmlformats.org/drawingml/2006/table">
+            <a:tbl>
+              <a:tblPr bandRow="1">
+                <a:tableStyleId>{5C22544A-7EE6-4342-B048-85BDC9FD1C3A}</a:tableStyleId>
+              </a:tblPr>
+              <a:tblGrid>
+                <a:gridCol w="3048000">
+                  <a:extLst>
+                    <a:ext uri="{9D8B030D-6E8A-4147-A177-3AD203B41FA5}">
+                      <a16:colId xmlns:a16="http://schemas.microsoft.com/office/drawing/2014/main" val="2360487507"/>
+                    </a:ext>
+                  </a:extLst>
+                </a:gridCol>
+                <a:gridCol w="3048000">
+                  <a:extLst>
+                    <a:ext uri="{9D8B030D-6E8A-4147-A177-3AD203B41FA5}">
+                      <a16:colId xmlns:a16="http://schemas.microsoft.com/office/drawing/2014/main" val="2489682741"/>
+                    </a:ext>
+                  </a:extLst>
+                </a:gridCol>
+              </a:tblGrid>
+              <a:tr h="1754453">
+                <a:tc>
+                  <a:txBody>
+                    <a:bodyPr/>
+                    <a:lstStyle/>
+                    <a:p>
+                      <a:r>
+                        <a:rPr lang="en-US" sz="1100" b="1" dirty="0">
+                          <a:latin typeface="Arial" panose="020B0604020202020204" pitchFamily="34" charset="0"/>
+                          <a:cs typeface="Arial" panose="020B0604020202020204" pitchFamily="34" charset="0"/>
+                        </a:rPr>
+                        <a:t>Plan</a:t>
+                      </a:r>
+                    </a:p>
+                    <a:p>
+                      <a:r>
+                        <a:rPr lang="en-US" sz="1100" dirty="0"/>
+                        <a:t>What change are you testing with the PDSA cycle(s)? What do you predict will happen and why? Who will be involved in this PDSA? (e.g., one staff member or resident, one shift?). Whenever feasible, it will be helpful to involve direct care staff. Plan a small test of change. How long will the change take to implement? What resources will they need? What data need to be collected?</a:t>
+                      </a:r>
+                      <a:endParaRPr lang="en-US" sz="1100" dirty="0">
+                        <a:latin typeface="Arial" panose="020B0604020202020204" pitchFamily="34" charset="0"/>
+                        <a:cs typeface="Arial" panose="020B0604020202020204" pitchFamily="34" charset="0"/>
+                      </a:endParaRPr>
+                    </a:p>
+                  </a:txBody>
+                  <a:tcPr/>
+                </a:tc>
+                <a:tc>
+                  <a:txBody>
+                    <a:bodyPr/>
+                    <a:lstStyle/>
+                    <a:p>
+                      <a:r>
+                        <a:rPr lang="en-US" sz="1100" dirty="0">
+                          <a:latin typeface="Arial" panose="020B0604020202020204" pitchFamily="34" charset="0"/>
+                          <a:cs typeface="Arial" panose="020B0604020202020204" pitchFamily="34" charset="0"/>
+                        </a:rPr>
+                        <a:t>List your action steps along with person(s) responsible and timeline. </a:t>
+                      </a:r>
+                    </a:p>
+                  </a:txBody>
+                  <a:tcPr/>
+                </a:tc>
+                <a:extLst>
+                  <a:ext uri="{0D108BD9-81ED-4DB2-BD59-A6C34878D82A}">
+                    <a16:rowId xmlns:a16="http://schemas.microsoft.com/office/drawing/2014/main" val="3200635423"/>
+                  </a:ext>
+                </a:extLst>
+              </a:tr>
+              <a:tr h="1702495">
+                <a:tc>
+                  <a:txBody>
+                    <a:bodyPr/>
+                    <a:lstStyle/>
+                    <a:p>
+                      <a:r>
+                        <a:rPr lang="en-US" sz="1100" b="1" dirty="0">
+                          <a:latin typeface="Arial" panose="020B0604020202020204" pitchFamily="34" charset="0"/>
+                          <a:cs typeface="Arial" panose="020B0604020202020204" pitchFamily="34" charset="0"/>
+                        </a:rPr>
+                        <a:t>Do </a:t>
+                      </a:r>
+                    </a:p>
+                    <a:p>
+                      <a:r>
+                        <a:rPr lang="en-US" sz="1100" dirty="0">
+                          <a:latin typeface="Arial" panose="020B0604020202020204" pitchFamily="34" charset="0"/>
+                          <a:cs typeface="Arial" panose="020B0604020202020204" pitchFamily="34" charset="0"/>
+                        </a:rPr>
+                        <a:t>Carry out the test on a small scale. Document observations, including any problems and unexpected findings. Collect data you identified as needed during the “plan” stage.</a:t>
+                      </a:r>
+                    </a:p>
+                  </a:txBody>
+                  <a:tcPr/>
+                </a:tc>
+                <a:tc>
+                  <a:txBody>
+                    <a:bodyPr/>
+                    <a:lstStyle/>
+                    <a:p>
+                      <a:r>
+                        <a:rPr lang="en-US" sz="1100" dirty="0">
+                          <a:latin typeface="Arial" panose="020B0604020202020204" pitchFamily="34" charset="0"/>
+                          <a:cs typeface="Arial" panose="020B0604020202020204" pitchFamily="34" charset="0"/>
+                        </a:rPr>
+                        <a:t>Describe what actually happened when you ran the test.</a:t>
+                      </a:r>
+                    </a:p>
+                  </a:txBody>
+                  <a:tcPr/>
+                </a:tc>
+                <a:extLst>
+                  <a:ext uri="{0D108BD9-81ED-4DB2-BD59-A6C34878D82A}">
+                    <a16:rowId xmlns:a16="http://schemas.microsoft.com/office/drawing/2014/main" val="88094992"/>
+                  </a:ext>
+                </a:extLst>
+              </a:tr>
+              <a:tr h="1702495">
+                <a:tc>
+                  <a:txBody>
+                    <a:bodyPr/>
+                    <a:lstStyle/>
+                    <a:p>
+                      <a:r>
+                        <a:rPr lang="en-US" sz="1100" b="1" dirty="0">
+                          <a:latin typeface="Arial" panose="020B0604020202020204" pitchFamily="34" charset="0"/>
+                          <a:cs typeface="Arial" panose="020B0604020202020204" pitchFamily="34" charset="0"/>
+                        </a:rPr>
+                        <a:t>Study </a:t>
+                      </a:r>
+                    </a:p>
+                    <a:p>
+                      <a:r>
+                        <a:rPr lang="en-US" sz="1100" dirty="0">
+                          <a:latin typeface="Arial" panose="020B0604020202020204" pitchFamily="34" charset="0"/>
+                          <a:cs typeface="Arial" panose="020B0604020202020204" pitchFamily="34" charset="0"/>
+                        </a:rPr>
+                        <a:t>Study and analyze the data. Determine if the change resulted in the expected outcome. Were there implementation lessons? Summarize what was learned. Look for: unintended consequences, surprises, successes, failures.</a:t>
+                      </a:r>
+                    </a:p>
+                  </a:txBody>
+                  <a:tcPr/>
+                </a:tc>
+                <a:tc>
+                  <a:txBody>
+                    <a:bodyPr/>
+                    <a:lstStyle/>
+                    <a:p>
+                      <a:r>
+                        <a:rPr lang="en-US" sz="1100" dirty="0">
+                          <a:latin typeface="Arial" panose="020B0604020202020204" pitchFamily="34" charset="0"/>
+                          <a:cs typeface="Arial" panose="020B0604020202020204" pitchFamily="34" charset="0"/>
+                        </a:rPr>
+                        <a:t>Describe the measured results and how they compared to the predictions.</a:t>
+                      </a:r>
+                    </a:p>
+                  </a:txBody>
+                  <a:tcPr/>
+                </a:tc>
+                <a:extLst>
+                  <a:ext uri="{0D108BD9-81ED-4DB2-BD59-A6C34878D82A}">
+                    <a16:rowId xmlns:a16="http://schemas.microsoft.com/office/drawing/2014/main" val="905496913"/>
+                  </a:ext>
+                </a:extLst>
+              </a:tr>
+              <a:tr h="1702495">
+                <a:tc>
+                  <a:txBody>
+                    <a:bodyPr/>
+                    <a:lstStyle/>
+                    <a:p>
+                      <a:r>
+                        <a:rPr lang="en-US" sz="1100" b="1" dirty="0">
+                          <a:latin typeface="Arial" panose="020B0604020202020204" pitchFamily="34" charset="0"/>
+                          <a:cs typeface="Arial" panose="020B0604020202020204" pitchFamily="34" charset="0"/>
+                        </a:rPr>
+                        <a:t>Act</a:t>
+                      </a:r>
+                    </a:p>
+                    <a:p>
+                      <a:r>
+                        <a:rPr lang="en-US" sz="1100" dirty="0">
+                          <a:latin typeface="Arial" panose="020B0604020202020204" pitchFamily="34" charset="0"/>
+                          <a:cs typeface="Arial" panose="020B0604020202020204" pitchFamily="34" charset="0"/>
+                        </a:rPr>
+                        <a:t>Based on what was learned from the test: Adapt – modify the changes and repeat PDSA cycle. Adopt – consider expanding the changes in your organization to additional residents, staff, and units. Abandon – change your approach and repeat PDSA cycle.</a:t>
+                      </a:r>
+                    </a:p>
+                  </a:txBody>
+                  <a:tcPr/>
+                </a:tc>
+                <a:tc>
+                  <a:txBody>
+                    <a:bodyPr/>
+                    <a:lstStyle/>
+                    <a:p>
+                      <a:r>
+                        <a:rPr lang="en-US" sz="1100" dirty="0">
+                          <a:latin typeface="Arial" panose="020B0604020202020204" pitchFamily="34" charset="0"/>
+                          <a:cs typeface="Arial" panose="020B0604020202020204" pitchFamily="34" charset="0"/>
+                        </a:rPr>
+                        <a:t>Describe what modifications to the plan will be made for the next cycle from what you learned.</a:t>
+                      </a:r>
+                    </a:p>
+                  </a:txBody>
+                  <a:tcPr/>
+                </a:tc>
+                <a:extLst>
+                  <a:ext uri="{0D108BD9-81ED-4DB2-BD59-A6C34878D82A}">
+                    <a16:rowId xmlns:a16="http://schemas.microsoft.com/office/drawing/2014/main" val="3466918976"/>
+                  </a:ext>
+                </a:extLst>
+              </a:tr>
+            </a:tbl>
+          </a:graphicData>
+        </a:graphic>
+      </p:graphicFrame>
+    </p:spTree>
+    <p:extLst>
+      <p:ext uri="{BB962C8B-B14F-4D97-AF65-F5344CB8AC3E}">
+        <p14:creationId xmlns:p14="http://schemas.microsoft.com/office/powerpoint/2010/main" val="1422265689"/>
       </p:ext>
     </p:extLst>
   </p:cSld>
